--- a/CpG/CpG_frequencies.pptx
+++ b/CpG/CpG_frequencies.pptx
@@ -259,7 +259,7 @@
           <a:p>
             <a:fld id="{59F9B666-512A-45D6-922A-19C3610634DD}" type="datetimeFigureOut">
               <a:rPr lang="en-US" smtClean="0"/>
-              <a:t>11/11/2020</a:t>
+              <a:t>11/12/2020</a:t>
             </a:fld>
             <a:endParaRPr lang="en-US"/>
           </a:p>
@@ -457,7 +457,7 @@
           <a:p>
             <a:fld id="{59F9B666-512A-45D6-922A-19C3610634DD}" type="datetimeFigureOut">
               <a:rPr lang="en-US" smtClean="0"/>
-              <a:t>11/11/2020</a:t>
+              <a:t>11/12/2020</a:t>
             </a:fld>
             <a:endParaRPr lang="en-US"/>
           </a:p>
@@ -665,7 +665,7 @@
           <a:p>
             <a:fld id="{59F9B666-512A-45D6-922A-19C3610634DD}" type="datetimeFigureOut">
               <a:rPr lang="en-US" smtClean="0"/>
-              <a:t>11/11/2020</a:t>
+              <a:t>11/12/2020</a:t>
             </a:fld>
             <a:endParaRPr lang="en-US"/>
           </a:p>
@@ -863,7 +863,7 @@
           <a:p>
             <a:fld id="{59F9B666-512A-45D6-922A-19C3610634DD}" type="datetimeFigureOut">
               <a:rPr lang="en-US" smtClean="0"/>
-              <a:t>11/11/2020</a:t>
+              <a:t>11/12/2020</a:t>
             </a:fld>
             <a:endParaRPr lang="en-US"/>
           </a:p>
@@ -1138,7 +1138,7 @@
           <a:p>
             <a:fld id="{59F9B666-512A-45D6-922A-19C3610634DD}" type="datetimeFigureOut">
               <a:rPr lang="en-US" smtClean="0"/>
-              <a:t>11/11/2020</a:t>
+              <a:t>11/12/2020</a:t>
             </a:fld>
             <a:endParaRPr lang="en-US"/>
           </a:p>
@@ -1403,7 +1403,7 @@
           <a:p>
             <a:fld id="{59F9B666-512A-45D6-922A-19C3610634DD}" type="datetimeFigureOut">
               <a:rPr lang="en-US" smtClean="0"/>
-              <a:t>11/11/2020</a:t>
+              <a:t>11/12/2020</a:t>
             </a:fld>
             <a:endParaRPr lang="en-US"/>
           </a:p>
@@ -1815,7 +1815,7 @@
           <a:p>
             <a:fld id="{59F9B666-512A-45D6-922A-19C3610634DD}" type="datetimeFigureOut">
               <a:rPr lang="en-US" smtClean="0"/>
-              <a:t>11/11/2020</a:t>
+              <a:t>11/12/2020</a:t>
             </a:fld>
             <a:endParaRPr lang="en-US"/>
           </a:p>
@@ -1956,7 +1956,7 @@
           <a:p>
             <a:fld id="{59F9B666-512A-45D6-922A-19C3610634DD}" type="datetimeFigureOut">
               <a:rPr lang="en-US" smtClean="0"/>
-              <a:t>11/11/2020</a:t>
+              <a:t>11/12/2020</a:t>
             </a:fld>
             <a:endParaRPr lang="en-US"/>
           </a:p>
@@ -2069,7 +2069,7 @@
           <a:p>
             <a:fld id="{59F9B666-512A-45D6-922A-19C3610634DD}" type="datetimeFigureOut">
               <a:rPr lang="en-US" smtClean="0"/>
-              <a:t>11/11/2020</a:t>
+              <a:t>11/12/2020</a:t>
             </a:fld>
             <a:endParaRPr lang="en-US"/>
           </a:p>
@@ -2380,7 +2380,7 @@
           <a:p>
             <a:fld id="{59F9B666-512A-45D6-922A-19C3610634DD}" type="datetimeFigureOut">
               <a:rPr lang="en-US" smtClean="0"/>
-              <a:t>11/11/2020</a:t>
+              <a:t>11/12/2020</a:t>
             </a:fld>
             <a:endParaRPr lang="en-US"/>
           </a:p>
@@ -2668,7 +2668,7 @@
           <a:p>
             <a:fld id="{59F9B666-512A-45D6-922A-19C3610634DD}" type="datetimeFigureOut">
               <a:rPr lang="en-US" smtClean="0"/>
-              <a:t>11/11/2020</a:t>
+              <a:t>11/12/2020</a:t>
             </a:fld>
             <a:endParaRPr lang="en-US"/>
           </a:p>
@@ -2909,7 +2909,7 @@
           <a:p>
             <a:fld id="{59F9B666-512A-45D6-922A-19C3610634DD}" type="datetimeFigureOut">
               <a:rPr lang="en-US" smtClean="0"/>
-              <a:t>11/11/2020</a:t>
+              <a:t>11/12/2020</a:t>
             </a:fld>
             <a:endParaRPr lang="en-US"/>
           </a:p>
@@ -3328,10 +3328,10 @@
       </p:grpSpPr>
       <p:pic>
         <p:nvPicPr>
-          <p:cNvPr id="5" name="Picture 4" descr="Chart&#10;&#10;Description automatically generated">
-            <a:extLst>
-              <a:ext uri="{FF2B5EF4-FFF2-40B4-BE49-F238E27FC236}">
-                <a16:creationId xmlns:a16="http://schemas.microsoft.com/office/drawing/2014/main" id="{8CFB2FBC-93AF-46A0-B04F-474A896C9133}"/>
+          <p:cNvPr id="8" name="Picture 7" descr="Chart&#10;&#10;Description automatically generated">
+            <a:extLst>
+              <a:ext uri="{FF2B5EF4-FFF2-40B4-BE49-F238E27FC236}">
+                <a16:creationId xmlns:a16="http://schemas.microsoft.com/office/drawing/2014/main" id="{5C8A732A-B38B-4260-A8C7-DB034621BB93}"/>
               </a:ext>
             </a:extLst>
           </p:cNvPr>
